--- a/第1单元-概览/第一单元HTML新特性.pptx
+++ b/第1单元-概览/第一单元HTML新特性.pptx
@@ -3950,8 +3950,8 @@
     </p:tnLst>
     <p:bldLst>
       <p:bldP build="whole" bldLvl="1" animBg="1" rev="0" advAuto="0" spid="146" grpId="3"/>
+      <p:bldP build="p" bldLvl="1" animBg="1" rev="0" advAuto="0" spid="144" grpId="1"/>
       <p:bldP build="whole" bldLvl="1" animBg="1" rev="0" advAuto="0" spid="145" grpId="2"/>
-      <p:bldP build="p" bldLvl="1" animBg="1" rev="0" advAuto="0" spid="144" grpId="1"/>
     </p:bldLst>
   </p:timing>
 </p:sld>
@@ -4847,8 +4847,8 @@
       </p:par>
     </p:tnLst>
     <p:bldLst>
+      <p:bldP build="whole" bldLvl="1" animBg="1" rev="0" advAuto="0" spid="153" grpId="2"/>
       <p:bldP build="whole" bldLvl="1" animBg="1" rev="0" advAuto="0" spid="152" grpId="1"/>
-      <p:bldP build="whole" bldLvl="1" animBg="1" rev="0" advAuto="0" spid="153" grpId="2"/>
     </p:bldLst>
   </p:timing>
 </p:sld>
@@ -5154,8 +5154,8 @@
       </p:par>
     </p:tnLst>
     <p:bldLst>
+      <p:bldP build="whole" bldLvl="1" animBg="1" rev="0" advAuto="0" spid="157" grpId="2"/>
       <p:bldP build="whole" bldLvl="1" animBg="1" rev="0" advAuto="0" spid="156" grpId="1"/>
-      <p:bldP build="whole" bldLvl="1" animBg="1" rev="0" advAuto="0" spid="157" grpId="2"/>
     </p:bldLst>
   </p:timing>
 </p:sld>
@@ -5872,8 +5872,8 @@
       </p:par>
     </p:tnLst>
     <p:bldLst>
+      <p:bldP build="whole" bldLvl="1" animBg="1" rev="0" advAuto="0" spid="164" grpId="1"/>
       <p:bldP build="whole" bldLvl="1" animBg="1" rev="0" advAuto="0" spid="165" grpId="2"/>
-      <p:bldP build="whole" bldLvl="1" animBg="1" rev="0" advAuto="0" spid="164" grpId="1"/>
     </p:bldLst>
   </p:timing>
 </p:sld>
@@ -5925,7 +5925,7 @@
           </a:bodyPr>
           <a:lstStyle/>
           <a:p>
-            <a:pPr marL="203454" indent="-203454" defTabSz="813816">
+            <a:pPr marL="182880" indent="-182880" defTabSz="731520">
               <a:lnSpc>
                 <a:spcPct val="81000"/>
               </a:lnSpc>
@@ -5935,14 +5935,14 @@
               <a:buSzPct val="100000"/>
               <a:buFont typeface="Arial"/>
               <a:buChar char="•"/>
-              <a:defRPr sz="2492"/>
+              <a:defRPr sz="2240"/>
             </a:pPr>
             <a:r>
               <a:t>Figure : 用作文档中插图的图像</a:t>
             </a:r>
           </a:p>
           <a:p>
-            <a:pPr marL="203454" indent="-203454" defTabSz="813816">
+            <a:pPr marL="182880" indent="-182880" defTabSz="731520">
               <a:lnSpc>
                 <a:spcPct val="81000"/>
               </a:lnSpc>
@@ -5952,7 +5952,7 @@
               <a:buSzPct val="100000"/>
               <a:buFont typeface="Arial"/>
               <a:buChar char="•"/>
-              <a:defRPr sz="2492"/>
+              <a:defRPr sz="2240"/>
             </a:pPr>
             <a:r>
               <a:t>figure</a:t>
@@ -5962,7 +5962,7 @@
             </a:r>
           </a:p>
           <a:p>
-            <a:pPr marL="203454" indent="-203454" defTabSz="813816">
+            <a:pPr marL="182880" indent="-182880" defTabSz="731520">
               <a:lnSpc>
                 <a:spcPct val="81000"/>
               </a:lnSpc>
@@ -5972,13 +5972,30 @@
               <a:buSzPct val="100000"/>
               <a:buFont typeface="Arial"/>
               <a:buChar char="•"/>
-              <a:defRPr sz="2492"/>
+              <a:defRPr sz="2240"/>
             </a:pPr>
             <a:r>
               <a:t>figure </a:t>
             </a:r>
             <a:r>
               <a:t>元素的内容应该与主内容相关，但如果被删除，则不应对文档流产生影响。</a:t>
+            </a:r>
+          </a:p>
+          <a:p>
+            <a:pPr marL="182880" indent="-182880" defTabSz="731520">
+              <a:lnSpc>
+                <a:spcPct val="81000"/>
+              </a:lnSpc>
+              <a:spcBef>
+                <a:spcPts val="800"/>
+              </a:spcBef>
+              <a:buSzPct val="100000"/>
+              <a:buFont typeface="Arial"/>
+              <a:buChar char="•"/>
+              <a:defRPr sz="2240"/>
+            </a:pPr>
+            <a:r>
+              <a:t>figureCaption</a:t>
             </a:r>
           </a:p>
         </p:txBody>
@@ -6181,8 +6198,8 @@
       </p:par>
     </p:tnLst>
     <p:bldLst>
+      <p:bldP build="whole" bldLvl="1" animBg="1" rev="0" advAuto="0" spid="169" grpId="2"/>
       <p:bldP build="whole" bldLvl="1" animBg="1" rev="0" advAuto="0" spid="168" grpId="1"/>
-      <p:bldP build="whole" bldLvl="1" animBg="1" rev="0" advAuto="0" spid="169" grpId="2"/>
     </p:bldLst>
   </p:timing>
 </p:sld>
@@ -6942,10 +6959,10 @@
       </p:par>
     </p:tnLst>
     <p:bldLst>
+      <p:bldP build="whole" bldLvl="1" animBg="1" rev="0" advAuto="0" spid="173" grpId="2"/>
       <p:bldP build="whole" bldLvl="1" animBg="1" rev="0" advAuto="0" spid="174" grpId="3"/>
-      <p:bldP build="whole" bldLvl="1" animBg="1" rev="0" advAuto="0" spid="173" grpId="2"/>
+      <p:bldP build="whole" bldLvl="1" animBg="1" rev="0" advAuto="0" spid="175" grpId="4"/>
       <p:bldP build="p" bldLvl="1" animBg="1" rev="0" advAuto="0" spid="172" grpId="1"/>
-      <p:bldP build="whole" bldLvl="1" animBg="1" rev="0" advAuto="0" spid="175" grpId="4"/>
     </p:bldLst>
   </p:timing>
 </p:sld>
@@ -7008,8 +7025,8 @@
         </p:nvSpPr>
         <p:spPr>
           <a:xfrm>
-            <a:off x="838200" y="1690688"/>
-            <a:ext cx="10515600" cy="3822373"/>
+            <a:off x="1218869" y="1817578"/>
+            <a:ext cx="10515601" cy="3822373"/>
           </a:xfrm>
           <a:prstGeom prst="rect">
             <a:avLst/>
@@ -8383,10 +8400,10 @@
       </p:par>
     </p:tnLst>
     <p:bldLst>
+      <p:bldP build="whole" bldLvl="1" animBg="1" rev="0" advAuto="0" spid="117" grpId="4"/>
       <p:bldP build="whole" bldLvl="1" animBg="1" rev="0" advAuto="0" spid="115" grpId="2"/>
-      <p:bldP build="whole" bldLvl="1" animBg="1" rev="0" advAuto="0" spid="117" grpId="4"/>
+      <p:bldP build="whole" bldLvl="1" animBg="1" rev="0" advAuto="0" spid="118" grpId="5"/>
       <p:bldP build="whole" bldLvl="1" animBg="1" rev="0" advAuto="0" spid="114" grpId="1"/>
-      <p:bldP build="whole" bldLvl="1" animBg="1" rev="0" advAuto="0" spid="118" grpId="5"/>
       <p:bldP build="whole" bldLvl="1" animBg="1" rev="0" advAuto="0" spid="116" grpId="3"/>
     </p:bldLst>
   </p:timing>
@@ -9605,8 +9622,8 @@
       </p:par>
     </p:tnLst>
     <p:bldLst>
+      <p:bldP build="whole" bldLvl="1" animBg="1" rev="0" advAuto="0" spid="197" grpId="1"/>
       <p:bldP build="whole" bldLvl="1" animBg="1" rev="0" advAuto="0" spid="198" grpId="2"/>
-      <p:bldP build="whole" bldLvl="1" animBg="1" rev="0" advAuto="0" spid="197" grpId="1"/>
     </p:bldLst>
   </p:timing>
 </p:sld>
@@ -9942,8 +9959,8 @@
       </p:par>
     </p:tnLst>
     <p:bldLst>
+      <p:bldP build="whole" bldLvl="1" animBg="1" rev="0" advAuto="0" spid="201" grpId="1"/>
       <p:bldP build="whole" bldLvl="1" animBg="1" rev="0" advAuto="0" spid="202" grpId="2"/>
-      <p:bldP build="whole" bldLvl="1" animBg="1" rev="0" advAuto="0" spid="201" grpId="1"/>
     </p:bldLst>
   </p:timing>
 </p:sld>
@@ -13485,6 +13502,66 @@
                       </p:childTnLst>
                     </p:cTn>
                   </p:par>
+                  <p:par>
+                    <p:cTn id="54" fill="hold">
+                      <p:stCondLst>
+                        <p:cond delay="indefinite"/>
+                      </p:stCondLst>
+                      <p:childTnLst>
+                        <p:par>
+                          <p:cTn id="55" fill="hold">
+                            <p:stCondLst>
+                              <p:cond delay="0"/>
+                            </p:stCondLst>
+                            <p:childTnLst>
+                              <p:par>
+                                <p:cTn id="56" presetClass="entr" nodeType="clickEffect" presetID="9" grpId="2" fill="hold">
+                                  <p:stCondLst>
+                                    <p:cond delay="0"/>
+                                  </p:stCondLst>
+                                  <p:iterate type="el" backwards="0">
+                                    <p:tmAbs val="0"/>
+                                  </p:iterate>
+                                  <p:childTnLst>
+                                    <p:set>
+                                      <p:cBhvr>
+                                        <p:cTn id="57" fill="hold"/>
+                                        <p:tgtEl>
+                                          <p:spTgt spid="135">
+                                            <p:txEl>
+                                              <p:pRg st="4" end="4"/>
+                                            </p:txEl>
+                                          </p:spTgt>
+                                        </p:tgtEl>
+                                        <p:attrNameLst>
+                                          <p:attrName>style.visibility</p:attrName>
+                                        </p:attrNameLst>
+                                      </p:cBhvr>
+                                      <p:to>
+                                        <p:strVal val="visible"/>
+                                      </p:to>
+                                    </p:set>
+                                    <p:animEffect filter="dissolve" transition="in">
+                                      <p:cBhvr>
+                                        <p:cTn id="58" dur="2000"/>
+                                        <p:tgtEl>
+                                          <p:spTgt spid="135">
+                                            <p:txEl>
+                                              <p:pRg st="4" end="4"/>
+                                            </p:txEl>
+                                          </p:spTgt>
+                                        </p:tgtEl>
+                                      </p:cBhvr>
+                                    </p:animEffect>
+                                  </p:childTnLst>
+                                </p:cTn>
+                              </p:par>
+                            </p:childTnLst>
+                          </p:cTn>
+                        </p:par>
+                      </p:childTnLst>
+                    </p:cTn>
+                  </p:par>
                 </p:childTnLst>
               </p:cTn>
               <p:prevCondLst>
@@ -13507,8 +13584,8 @@
       </p:par>
     </p:tnLst>
     <p:bldLst>
+      <p:bldP build="p" bldLvl="1" animBg="1" rev="0" advAuto="0" spid="134" grpId="1"/>
       <p:bldP build="p" bldLvl="1" animBg="1" rev="0" advAuto="0" spid="135" grpId="2"/>
-      <p:bldP build="p" bldLvl="1" animBg="1" rev="0" advAuto="0" spid="134" grpId="1"/>
     </p:bldLst>
   </p:timing>
 </p:sld>
